--- a/Breakout Unit 3.pptx
+++ b/Breakout Unit 3.pptx
@@ -3369,8 +3369,8 @@
         </p:nvSpPr>
         <p:spPr>
           <a:xfrm>
-            <a:off x="1182029" y="2808315"/>
-            <a:ext cx="6523463" cy="1477328"/>
+            <a:off x="446049" y="2942130"/>
+            <a:ext cx="8251901" cy="1200329"/>
           </a:xfrm>
           <a:prstGeom prst="rect">
             <a:avLst/>
@@ -3388,17 +3388,33 @@
                 <a:ea typeface="Calibri" panose="020F0502020204030204" pitchFamily="34" charset="0"/>
                 <a:cs typeface="Times New Roman" panose="02020603050405020304" pitchFamily="18" charset="0"/>
               </a:rPr>
-              <a:t>Fork the Repository</a:t>
-            </a:r>
-          </a:p>
-          <a:p>
+              <a:t>Fork the </a:t>
+            </a:r>
+            <a:r>
+              <a:rPr lang="en-US" dirty="0" err="1">
+                <a:latin typeface="Calibri" panose="020F0502020204030204" pitchFamily="34" charset="0"/>
+                <a:ea typeface="Calibri" panose="020F0502020204030204" pitchFamily="34" charset="0"/>
+                <a:cs typeface="Times New Roman" panose="02020603050405020304" pitchFamily="18" charset="0"/>
+              </a:rPr>
+              <a:t>BivinSadler</a:t>
+            </a:r>
             <a:r>
               <a:rPr lang="en-US" dirty="0">
                 <a:latin typeface="Calibri" panose="020F0502020204030204" pitchFamily="34" charset="0"/>
                 <a:ea typeface="Calibri" panose="020F0502020204030204" pitchFamily="34" charset="0"/>
                 <a:cs typeface="Times New Roman" panose="02020603050405020304" pitchFamily="18" charset="0"/>
               </a:rPr>
-              <a:t>	Look at the R code</a:t>
+              <a:t>/Unit-3-Repo Repository</a:t>
+            </a:r>
+          </a:p>
+          <a:p>
+            <a:r>
+              <a:rPr lang="en-US" dirty="0">
+                <a:latin typeface="Calibri" panose="020F0502020204030204" pitchFamily="34" charset="0"/>
+                <a:ea typeface="Calibri" panose="020F0502020204030204" pitchFamily="34" charset="0"/>
+                <a:cs typeface="Times New Roman" panose="02020603050405020304" pitchFamily="18" charset="0"/>
+              </a:rPr>
+              <a:t>	Look at / run the R code</a:t>
             </a:r>
           </a:p>
           <a:p>
@@ -3496,7 +3512,7 @@
         <p:spPr>
           <a:xfrm>
             <a:off x="-167270" y="2374738"/>
-            <a:ext cx="8987883" cy="2862322"/>
+            <a:ext cx="8987883" cy="3139321"/>
           </a:xfrm>
           <a:prstGeom prst="rect">
             <a:avLst/>
@@ -3541,7 +3557,18 @@
                 <a:ea typeface="Calibri" panose="020F0502020204030204" pitchFamily="34" charset="0"/>
                 <a:cs typeface="Times New Roman" panose="02020603050405020304" pitchFamily="18" charset="0"/>
               </a:rPr>
-              <a:t> data.  (Very Important… the URL to the </a:t>
+              <a:t> Education data.  </a:t>
+            </a:r>
+          </a:p>
+          <a:p>
+            <a:pPr indent="457200"/>
+            <a:r>
+              <a:rPr lang="en-US" dirty="0">
+                <a:latin typeface="Calibri" panose="020F0502020204030204" pitchFamily="34" charset="0"/>
+                <a:ea typeface="Calibri" panose="020F0502020204030204" pitchFamily="34" charset="0"/>
+                <a:cs typeface="Times New Roman" panose="02020603050405020304" pitchFamily="18" charset="0"/>
+              </a:rPr>
+              <a:t>	(Very Important … the URL to the </a:t>
             </a:r>
             <a:r>
               <a:rPr lang="en-US" b="1" dirty="0">
